--- a/DS3/SÓ TU ÉS SANTO.pptx
+++ b/DS3/SÓ TU ÉS SANTO.pptx
@@ -11,8 +11,9 @@
     <p:sldId id="259" r:id="rId5"/>
     <p:sldId id="260" r:id="rId6"/>
     <p:sldId id="261" r:id="rId7"/>
-    <p:sldId id="262" r:id="rId8"/>
-    <p:sldId id="263" r:id="rId9"/>
+    <p:sldId id="264" r:id="rId8"/>
+    <p:sldId id="262" r:id="rId9"/>
+    <p:sldId id="263" r:id="rId10"/>
   </p:sldIdLst>
   <p:sldSz cx="12192000" cy="6858000"/>
   <p:notesSz cx="6858000" cy="9144000"/>
@@ -111,6 +112,11 @@
       </a:defRPr>
     </a:lvl9pPr>
   </p:defaultTextStyle>
+  <p:extLst>
+    <p:ext uri="{EFAFB233-063F-42B5-8137-9DF3F51BA10A}">
+      <p15:sldGuideLst xmlns:p15="http://schemas.microsoft.com/office/powerpoint/2012/main"/>
+    </p:ext>
+  </p:extLst>
 </p:presentation>
 </file>
 
@@ -156,10 +162,9 @@
           </a:lstStyle>
           <a:p>
             <a:r>
-              <a:rPr lang="pt-BR" smtClean="0"/>
+              <a:rPr lang="pt-BR"/>
               <a:t>Clique para editar o título mestre</a:t>
             </a:r>
-            <a:endParaRPr lang="pt-BR"/>
           </a:p>
         </p:txBody>
       </p:sp>
@@ -221,10 +226,9 @@
           </a:lstStyle>
           <a:p>
             <a:r>
-              <a:rPr lang="pt-BR" smtClean="0"/>
+              <a:rPr lang="pt-BR"/>
               <a:t>Clique para editar o estilo do subtítulo Mestre</a:t>
             </a:r>
-            <a:endParaRPr lang="pt-BR"/>
           </a:p>
         </p:txBody>
       </p:sp>
@@ -245,7 +249,7 @@
           <a:p>
             <a:fld id="{68B0B92C-4907-4C40-B21F-67EE0DFA938B}" type="datetimeFigureOut">
               <a:rPr lang="pt-BR" smtClean="0"/>
-              <a:t>24/03/2022</a:t>
+              <a:t>24/12/2023</a:t>
             </a:fld>
             <a:endParaRPr lang="pt-BR"/>
           </a:p>
@@ -339,10 +343,9 @@
           <a:lstStyle/>
           <a:p>
             <a:r>
-              <a:rPr lang="pt-BR" smtClean="0"/>
+              <a:rPr lang="pt-BR"/>
               <a:t>Clique para editar o título mestre</a:t>
             </a:r>
-            <a:endParaRPr lang="pt-BR"/>
           </a:p>
         </p:txBody>
       </p:sp>
@@ -363,38 +366,37 @@
           <a:p>
             <a:pPr lvl="0"/>
             <a:r>
-              <a:rPr lang="pt-BR" smtClean="0"/>
+              <a:rPr lang="pt-BR"/>
               <a:t>Editar estilos de texto Mestre</a:t>
             </a:r>
           </a:p>
           <a:p>
             <a:pPr lvl="1"/>
             <a:r>
-              <a:rPr lang="pt-BR" smtClean="0"/>
+              <a:rPr lang="pt-BR"/>
               <a:t>Segundo nível</a:t>
             </a:r>
           </a:p>
           <a:p>
             <a:pPr lvl="2"/>
             <a:r>
-              <a:rPr lang="pt-BR" smtClean="0"/>
+              <a:rPr lang="pt-BR"/>
               <a:t>Terceiro nível</a:t>
             </a:r>
           </a:p>
           <a:p>
             <a:pPr lvl="3"/>
             <a:r>
-              <a:rPr lang="pt-BR" smtClean="0"/>
+              <a:rPr lang="pt-BR"/>
               <a:t>Quarto nível</a:t>
             </a:r>
           </a:p>
           <a:p>
             <a:pPr lvl="4"/>
             <a:r>
-              <a:rPr lang="pt-BR" smtClean="0"/>
+              <a:rPr lang="pt-BR"/>
               <a:t>Quinto nível</a:t>
             </a:r>
-            <a:endParaRPr lang="pt-BR"/>
           </a:p>
         </p:txBody>
       </p:sp>
@@ -415,7 +417,7 @@
           <a:p>
             <a:fld id="{68B0B92C-4907-4C40-B21F-67EE0DFA938B}" type="datetimeFigureOut">
               <a:rPr lang="pt-BR" smtClean="0"/>
-              <a:t>24/03/2022</a:t>
+              <a:t>24/12/2023</a:t>
             </a:fld>
             <a:endParaRPr lang="pt-BR"/>
           </a:p>
@@ -514,10 +516,9 @@
           <a:lstStyle/>
           <a:p>
             <a:r>
-              <a:rPr lang="pt-BR" smtClean="0"/>
+              <a:rPr lang="pt-BR"/>
               <a:t>Clique para editar o título mestre</a:t>
             </a:r>
-            <a:endParaRPr lang="pt-BR"/>
           </a:p>
         </p:txBody>
       </p:sp>
@@ -543,38 +544,37 @@
           <a:p>
             <a:pPr lvl="0"/>
             <a:r>
-              <a:rPr lang="pt-BR" smtClean="0"/>
+              <a:rPr lang="pt-BR"/>
               <a:t>Editar estilos de texto Mestre</a:t>
             </a:r>
           </a:p>
           <a:p>
             <a:pPr lvl="1"/>
             <a:r>
-              <a:rPr lang="pt-BR" smtClean="0"/>
+              <a:rPr lang="pt-BR"/>
               <a:t>Segundo nível</a:t>
             </a:r>
           </a:p>
           <a:p>
             <a:pPr lvl="2"/>
             <a:r>
-              <a:rPr lang="pt-BR" smtClean="0"/>
+              <a:rPr lang="pt-BR"/>
               <a:t>Terceiro nível</a:t>
             </a:r>
           </a:p>
           <a:p>
             <a:pPr lvl="3"/>
             <a:r>
-              <a:rPr lang="pt-BR" smtClean="0"/>
+              <a:rPr lang="pt-BR"/>
               <a:t>Quarto nível</a:t>
             </a:r>
           </a:p>
           <a:p>
             <a:pPr lvl="4"/>
             <a:r>
-              <a:rPr lang="pt-BR" smtClean="0"/>
+              <a:rPr lang="pt-BR"/>
               <a:t>Quinto nível</a:t>
             </a:r>
-            <a:endParaRPr lang="pt-BR"/>
           </a:p>
         </p:txBody>
       </p:sp>
@@ -595,7 +595,7 @@
           <a:p>
             <a:fld id="{68B0B92C-4907-4C40-B21F-67EE0DFA938B}" type="datetimeFigureOut">
               <a:rPr lang="pt-BR" smtClean="0"/>
-              <a:t>24/03/2022</a:t>
+              <a:t>24/12/2023</a:t>
             </a:fld>
             <a:endParaRPr lang="pt-BR"/>
           </a:p>
@@ -689,10 +689,9 @@
           <a:lstStyle/>
           <a:p>
             <a:r>
-              <a:rPr lang="pt-BR" smtClean="0"/>
+              <a:rPr lang="pt-BR"/>
               <a:t>Clique para editar o título mestre</a:t>
             </a:r>
-            <a:endParaRPr lang="pt-BR"/>
           </a:p>
         </p:txBody>
       </p:sp>
@@ -713,38 +712,37 @@
           <a:p>
             <a:pPr lvl="0"/>
             <a:r>
-              <a:rPr lang="pt-BR" smtClean="0"/>
+              <a:rPr lang="pt-BR"/>
               <a:t>Editar estilos de texto Mestre</a:t>
             </a:r>
           </a:p>
           <a:p>
             <a:pPr lvl="1"/>
             <a:r>
-              <a:rPr lang="pt-BR" smtClean="0"/>
+              <a:rPr lang="pt-BR"/>
               <a:t>Segundo nível</a:t>
             </a:r>
           </a:p>
           <a:p>
             <a:pPr lvl="2"/>
             <a:r>
-              <a:rPr lang="pt-BR" smtClean="0"/>
+              <a:rPr lang="pt-BR"/>
               <a:t>Terceiro nível</a:t>
             </a:r>
           </a:p>
           <a:p>
             <a:pPr lvl="3"/>
             <a:r>
-              <a:rPr lang="pt-BR" smtClean="0"/>
+              <a:rPr lang="pt-BR"/>
               <a:t>Quarto nível</a:t>
             </a:r>
           </a:p>
           <a:p>
             <a:pPr lvl="4"/>
             <a:r>
-              <a:rPr lang="pt-BR" smtClean="0"/>
+              <a:rPr lang="pt-BR"/>
               <a:t>Quinto nível</a:t>
             </a:r>
-            <a:endParaRPr lang="pt-BR"/>
           </a:p>
         </p:txBody>
       </p:sp>
@@ -765,7 +763,7 @@
           <a:p>
             <a:fld id="{68B0B92C-4907-4C40-B21F-67EE0DFA938B}" type="datetimeFigureOut">
               <a:rPr lang="pt-BR" smtClean="0"/>
-              <a:t>24/03/2022</a:t>
+              <a:t>24/12/2023</a:t>
             </a:fld>
             <a:endParaRPr lang="pt-BR"/>
           </a:p>
@@ -868,10 +866,9 @@
           </a:lstStyle>
           <a:p>
             <a:r>
-              <a:rPr lang="pt-BR" smtClean="0"/>
+              <a:rPr lang="pt-BR"/>
               <a:t>Clique para editar o título mestre</a:t>
             </a:r>
-            <a:endParaRPr lang="pt-BR"/>
           </a:p>
         </p:txBody>
       </p:sp>
@@ -988,7 +985,7 @@
           <a:p>
             <a:pPr lvl="0"/>
             <a:r>
-              <a:rPr lang="pt-BR" smtClean="0"/>
+              <a:rPr lang="pt-BR"/>
               <a:t>Editar estilos de texto Mestre</a:t>
             </a:r>
           </a:p>
@@ -1011,7 +1008,7 @@
           <a:p>
             <a:fld id="{68B0B92C-4907-4C40-B21F-67EE0DFA938B}" type="datetimeFigureOut">
               <a:rPr lang="pt-BR" smtClean="0"/>
-              <a:t>24/03/2022</a:t>
+              <a:t>24/12/2023</a:t>
             </a:fld>
             <a:endParaRPr lang="pt-BR"/>
           </a:p>
@@ -1105,10 +1102,9 @@
           <a:lstStyle/>
           <a:p>
             <a:r>
-              <a:rPr lang="pt-BR" smtClean="0"/>
+              <a:rPr lang="pt-BR"/>
               <a:t>Clique para editar o título mestre</a:t>
             </a:r>
-            <a:endParaRPr lang="pt-BR"/>
           </a:p>
         </p:txBody>
       </p:sp>
@@ -1134,38 +1130,37 @@
           <a:p>
             <a:pPr lvl="0"/>
             <a:r>
-              <a:rPr lang="pt-BR" smtClean="0"/>
+              <a:rPr lang="pt-BR"/>
               <a:t>Editar estilos de texto Mestre</a:t>
             </a:r>
           </a:p>
           <a:p>
             <a:pPr lvl="1"/>
             <a:r>
-              <a:rPr lang="pt-BR" smtClean="0"/>
+              <a:rPr lang="pt-BR"/>
               <a:t>Segundo nível</a:t>
             </a:r>
           </a:p>
           <a:p>
             <a:pPr lvl="2"/>
             <a:r>
-              <a:rPr lang="pt-BR" smtClean="0"/>
+              <a:rPr lang="pt-BR"/>
               <a:t>Terceiro nível</a:t>
             </a:r>
           </a:p>
           <a:p>
             <a:pPr lvl="3"/>
             <a:r>
-              <a:rPr lang="pt-BR" smtClean="0"/>
+              <a:rPr lang="pt-BR"/>
               <a:t>Quarto nível</a:t>
             </a:r>
           </a:p>
           <a:p>
             <a:pPr lvl="4"/>
             <a:r>
-              <a:rPr lang="pt-BR" smtClean="0"/>
+              <a:rPr lang="pt-BR"/>
               <a:t>Quinto nível</a:t>
             </a:r>
-            <a:endParaRPr lang="pt-BR"/>
           </a:p>
         </p:txBody>
       </p:sp>
@@ -1191,38 +1186,37 @@
           <a:p>
             <a:pPr lvl="0"/>
             <a:r>
-              <a:rPr lang="pt-BR" smtClean="0"/>
+              <a:rPr lang="pt-BR"/>
               <a:t>Editar estilos de texto Mestre</a:t>
             </a:r>
           </a:p>
           <a:p>
             <a:pPr lvl="1"/>
             <a:r>
-              <a:rPr lang="pt-BR" smtClean="0"/>
+              <a:rPr lang="pt-BR"/>
               <a:t>Segundo nível</a:t>
             </a:r>
           </a:p>
           <a:p>
             <a:pPr lvl="2"/>
             <a:r>
-              <a:rPr lang="pt-BR" smtClean="0"/>
+              <a:rPr lang="pt-BR"/>
               <a:t>Terceiro nível</a:t>
             </a:r>
           </a:p>
           <a:p>
             <a:pPr lvl="3"/>
             <a:r>
-              <a:rPr lang="pt-BR" smtClean="0"/>
+              <a:rPr lang="pt-BR"/>
               <a:t>Quarto nível</a:t>
             </a:r>
           </a:p>
           <a:p>
             <a:pPr lvl="4"/>
             <a:r>
-              <a:rPr lang="pt-BR" smtClean="0"/>
+              <a:rPr lang="pt-BR"/>
               <a:t>Quinto nível</a:t>
             </a:r>
-            <a:endParaRPr lang="pt-BR"/>
           </a:p>
         </p:txBody>
       </p:sp>
@@ -1243,7 +1237,7 @@
           <a:p>
             <a:fld id="{68B0B92C-4907-4C40-B21F-67EE0DFA938B}" type="datetimeFigureOut">
               <a:rPr lang="pt-BR" smtClean="0"/>
-              <a:t>24/03/2022</a:t>
+              <a:t>24/12/2023</a:t>
             </a:fld>
             <a:endParaRPr lang="pt-BR"/>
           </a:p>
@@ -1342,10 +1336,9 @@
           <a:lstStyle/>
           <a:p>
             <a:r>
-              <a:rPr lang="pt-BR" smtClean="0"/>
+              <a:rPr lang="pt-BR"/>
               <a:t>Clique para editar o título mestre</a:t>
             </a:r>
-            <a:endParaRPr lang="pt-BR"/>
           </a:p>
         </p:txBody>
       </p:sp>
@@ -1408,7 +1401,7 @@
           <a:p>
             <a:pPr lvl="0"/>
             <a:r>
-              <a:rPr lang="pt-BR" smtClean="0"/>
+              <a:rPr lang="pt-BR"/>
               <a:t>Editar estilos de texto Mestre</a:t>
             </a:r>
           </a:p>
@@ -1436,38 +1429,37 @@
           <a:p>
             <a:pPr lvl="0"/>
             <a:r>
-              <a:rPr lang="pt-BR" smtClean="0"/>
+              <a:rPr lang="pt-BR"/>
               <a:t>Editar estilos de texto Mestre</a:t>
             </a:r>
           </a:p>
           <a:p>
             <a:pPr lvl="1"/>
             <a:r>
-              <a:rPr lang="pt-BR" smtClean="0"/>
+              <a:rPr lang="pt-BR"/>
               <a:t>Segundo nível</a:t>
             </a:r>
           </a:p>
           <a:p>
             <a:pPr lvl="2"/>
             <a:r>
-              <a:rPr lang="pt-BR" smtClean="0"/>
+              <a:rPr lang="pt-BR"/>
               <a:t>Terceiro nível</a:t>
             </a:r>
           </a:p>
           <a:p>
             <a:pPr lvl="3"/>
             <a:r>
-              <a:rPr lang="pt-BR" smtClean="0"/>
+              <a:rPr lang="pt-BR"/>
               <a:t>Quarto nível</a:t>
             </a:r>
           </a:p>
           <a:p>
             <a:pPr lvl="4"/>
             <a:r>
-              <a:rPr lang="pt-BR" smtClean="0"/>
+              <a:rPr lang="pt-BR"/>
               <a:t>Quinto nível</a:t>
             </a:r>
-            <a:endParaRPr lang="pt-BR"/>
           </a:p>
         </p:txBody>
       </p:sp>
@@ -1530,7 +1522,7 @@
           <a:p>
             <a:pPr lvl="0"/>
             <a:r>
-              <a:rPr lang="pt-BR" smtClean="0"/>
+              <a:rPr lang="pt-BR"/>
               <a:t>Editar estilos de texto Mestre</a:t>
             </a:r>
           </a:p>
@@ -1558,38 +1550,37 @@
           <a:p>
             <a:pPr lvl="0"/>
             <a:r>
-              <a:rPr lang="pt-BR" smtClean="0"/>
+              <a:rPr lang="pt-BR"/>
               <a:t>Editar estilos de texto Mestre</a:t>
             </a:r>
           </a:p>
           <a:p>
             <a:pPr lvl="1"/>
             <a:r>
-              <a:rPr lang="pt-BR" smtClean="0"/>
+              <a:rPr lang="pt-BR"/>
               <a:t>Segundo nível</a:t>
             </a:r>
           </a:p>
           <a:p>
             <a:pPr lvl="2"/>
             <a:r>
-              <a:rPr lang="pt-BR" smtClean="0"/>
+              <a:rPr lang="pt-BR"/>
               <a:t>Terceiro nível</a:t>
             </a:r>
           </a:p>
           <a:p>
             <a:pPr lvl="3"/>
             <a:r>
-              <a:rPr lang="pt-BR" smtClean="0"/>
+              <a:rPr lang="pt-BR"/>
               <a:t>Quarto nível</a:t>
             </a:r>
           </a:p>
           <a:p>
             <a:pPr lvl="4"/>
             <a:r>
-              <a:rPr lang="pt-BR" smtClean="0"/>
+              <a:rPr lang="pt-BR"/>
               <a:t>Quinto nível</a:t>
             </a:r>
-            <a:endParaRPr lang="pt-BR"/>
           </a:p>
         </p:txBody>
       </p:sp>
@@ -1610,7 +1601,7 @@
           <a:p>
             <a:fld id="{68B0B92C-4907-4C40-B21F-67EE0DFA938B}" type="datetimeFigureOut">
               <a:rPr lang="pt-BR" smtClean="0"/>
-              <a:t>24/03/2022</a:t>
+              <a:t>24/12/2023</a:t>
             </a:fld>
             <a:endParaRPr lang="pt-BR"/>
           </a:p>
@@ -1704,10 +1695,9 @@
           <a:lstStyle/>
           <a:p>
             <a:r>
-              <a:rPr lang="pt-BR" smtClean="0"/>
+              <a:rPr lang="pt-BR"/>
               <a:t>Clique para editar o título mestre</a:t>
             </a:r>
-            <a:endParaRPr lang="pt-BR"/>
           </a:p>
         </p:txBody>
       </p:sp>
@@ -1728,7 +1718,7 @@
           <a:p>
             <a:fld id="{68B0B92C-4907-4C40-B21F-67EE0DFA938B}" type="datetimeFigureOut">
               <a:rPr lang="pt-BR" smtClean="0"/>
-              <a:t>24/03/2022</a:t>
+              <a:t>24/12/2023</a:t>
             </a:fld>
             <a:endParaRPr lang="pt-BR"/>
           </a:p>
@@ -1823,7 +1813,7 @@
           <a:p>
             <a:fld id="{68B0B92C-4907-4C40-B21F-67EE0DFA938B}" type="datetimeFigureOut">
               <a:rPr lang="pt-BR" smtClean="0"/>
-              <a:t>24/03/2022</a:t>
+              <a:t>24/12/2023</a:t>
             </a:fld>
             <a:endParaRPr lang="pt-BR"/>
           </a:p>
@@ -1926,10 +1916,9 @@
           </a:lstStyle>
           <a:p>
             <a:r>
-              <a:rPr lang="pt-BR" smtClean="0"/>
+              <a:rPr lang="pt-BR"/>
               <a:t>Clique para editar o título mestre</a:t>
             </a:r>
-            <a:endParaRPr lang="pt-BR"/>
           </a:p>
         </p:txBody>
       </p:sp>
@@ -1983,38 +1972,37 @@
           <a:p>
             <a:pPr lvl="0"/>
             <a:r>
-              <a:rPr lang="pt-BR" smtClean="0"/>
+              <a:rPr lang="pt-BR"/>
               <a:t>Editar estilos de texto Mestre</a:t>
             </a:r>
           </a:p>
           <a:p>
             <a:pPr lvl="1"/>
             <a:r>
-              <a:rPr lang="pt-BR" smtClean="0"/>
+              <a:rPr lang="pt-BR"/>
               <a:t>Segundo nível</a:t>
             </a:r>
           </a:p>
           <a:p>
             <a:pPr lvl="2"/>
             <a:r>
-              <a:rPr lang="pt-BR" smtClean="0"/>
+              <a:rPr lang="pt-BR"/>
               <a:t>Terceiro nível</a:t>
             </a:r>
           </a:p>
           <a:p>
             <a:pPr lvl="3"/>
             <a:r>
-              <a:rPr lang="pt-BR" smtClean="0"/>
+              <a:rPr lang="pt-BR"/>
               <a:t>Quarto nível</a:t>
             </a:r>
           </a:p>
           <a:p>
             <a:pPr lvl="4"/>
             <a:r>
-              <a:rPr lang="pt-BR" smtClean="0"/>
+              <a:rPr lang="pt-BR"/>
               <a:t>Quinto nível</a:t>
             </a:r>
-            <a:endParaRPr lang="pt-BR"/>
           </a:p>
         </p:txBody>
       </p:sp>
@@ -2077,7 +2065,7 @@
           <a:p>
             <a:pPr lvl="0"/>
             <a:r>
-              <a:rPr lang="pt-BR" smtClean="0"/>
+              <a:rPr lang="pt-BR"/>
               <a:t>Editar estilos de texto Mestre</a:t>
             </a:r>
           </a:p>
@@ -2100,7 +2088,7 @@
           <a:p>
             <a:fld id="{68B0B92C-4907-4C40-B21F-67EE0DFA938B}" type="datetimeFigureOut">
               <a:rPr lang="pt-BR" smtClean="0"/>
-              <a:t>24/03/2022</a:t>
+              <a:t>24/12/2023</a:t>
             </a:fld>
             <a:endParaRPr lang="pt-BR"/>
           </a:p>
@@ -2203,10 +2191,9 @@
           </a:lstStyle>
           <a:p>
             <a:r>
-              <a:rPr lang="pt-BR" smtClean="0"/>
+              <a:rPr lang="pt-BR"/>
               <a:t>Clique para editar o título mestre</a:t>
             </a:r>
-            <a:endParaRPr lang="pt-BR"/>
           </a:p>
         </p:txBody>
       </p:sp>
@@ -2330,7 +2317,7 @@
           <a:p>
             <a:pPr lvl="0"/>
             <a:r>
-              <a:rPr lang="pt-BR" smtClean="0"/>
+              <a:rPr lang="pt-BR"/>
               <a:t>Editar estilos de texto Mestre</a:t>
             </a:r>
           </a:p>
@@ -2353,7 +2340,7 @@
           <a:p>
             <a:fld id="{68B0B92C-4907-4C40-B21F-67EE0DFA938B}" type="datetimeFigureOut">
               <a:rPr lang="pt-BR" smtClean="0"/>
-              <a:t>24/03/2022</a:t>
+              <a:t>24/12/2023</a:t>
             </a:fld>
             <a:endParaRPr lang="pt-BR"/>
           </a:p>
@@ -2462,10 +2449,9 @@
           <a:lstStyle/>
           <a:p>
             <a:r>
-              <a:rPr lang="pt-BR" smtClean="0"/>
+              <a:rPr lang="pt-BR"/>
               <a:t>Clique para editar o título mestre</a:t>
             </a:r>
-            <a:endParaRPr lang="pt-BR"/>
           </a:p>
         </p:txBody>
       </p:sp>
@@ -2496,38 +2482,37 @@
           <a:p>
             <a:pPr lvl="0"/>
             <a:r>
-              <a:rPr lang="pt-BR" smtClean="0"/>
+              <a:rPr lang="pt-BR"/>
               <a:t>Editar estilos de texto Mestre</a:t>
             </a:r>
           </a:p>
           <a:p>
             <a:pPr lvl="1"/>
             <a:r>
-              <a:rPr lang="pt-BR" smtClean="0"/>
+              <a:rPr lang="pt-BR"/>
               <a:t>Segundo nível</a:t>
             </a:r>
           </a:p>
           <a:p>
             <a:pPr lvl="2"/>
             <a:r>
-              <a:rPr lang="pt-BR" smtClean="0"/>
+              <a:rPr lang="pt-BR"/>
               <a:t>Terceiro nível</a:t>
             </a:r>
           </a:p>
           <a:p>
             <a:pPr lvl="3"/>
             <a:r>
-              <a:rPr lang="pt-BR" smtClean="0"/>
+              <a:rPr lang="pt-BR"/>
               <a:t>Quarto nível</a:t>
             </a:r>
           </a:p>
           <a:p>
             <a:pPr lvl="4"/>
             <a:r>
-              <a:rPr lang="pt-BR" smtClean="0"/>
+              <a:rPr lang="pt-BR"/>
               <a:t>Quinto nível</a:t>
             </a:r>
-            <a:endParaRPr lang="pt-BR"/>
           </a:p>
         </p:txBody>
       </p:sp>
@@ -2566,7 +2551,7 @@
           <a:p>
             <a:fld id="{68B0B92C-4907-4C40-B21F-67EE0DFA938B}" type="datetimeFigureOut">
               <a:rPr lang="pt-BR" smtClean="0"/>
-              <a:t>24/03/2022</a:t>
+              <a:t>24/12/2023</a:t>
             </a:fld>
             <a:endParaRPr lang="pt-BR"/>
           </a:p>
@@ -2983,7 +2968,7 @@
         </p:nvSpPr>
         <p:spPr>
           <a:xfrm>
-            <a:off x="1435100" y="93663"/>
+            <a:off x="1435100" y="1250110"/>
             <a:ext cx="9144000" cy="2387600"/>
           </a:xfrm>
         </p:spPr>
@@ -2994,14 +2979,11 @@
           <a:lstStyle/>
           <a:p>
             <a:r>
-              <a:rPr lang="pt-BR" sz="7200" b="1" dirty="0" smtClean="0">
+              <a:rPr lang="pt-BR" sz="7200" b="1" dirty="0">
                 <a:latin typeface="Arial Black" panose="020B0A04020102020204" pitchFamily="34" charset="0"/>
               </a:rPr>
               <a:t>SÓ TU ÉS SANTO</a:t>
             </a:r>
-            <a:endParaRPr lang="pt-BR" sz="7200" b="1" dirty="0">
-              <a:latin typeface="Arial Black" panose="020B0A04020102020204" pitchFamily="34" charset="0"/>
-            </a:endParaRPr>
           </a:p>
         </p:txBody>
       </p:sp>
@@ -3028,20 +3010,11 @@
           <a:lstStyle/>
           <a:p>
             <a:r>
-              <a:rPr lang="pt-BR" sz="4800" dirty="0" smtClean="0">
+              <a:rPr lang="pt-BR" sz="4800" dirty="0">
                 <a:latin typeface="Arial Black" panose="020B0A04020102020204" pitchFamily="34" charset="0"/>
               </a:rPr>
-              <a:t>MINÍST</a:t>
-            </a:r>
-            <a:r>
-              <a:rPr lang="pt-BR" sz="4800" dirty="0" smtClean="0">
-                <a:latin typeface="Arial Black" panose="020B0A04020102020204" pitchFamily="34" charset="0"/>
-              </a:rPr>
-              <a:t>ÉRIO MORADA</a:t>
-            </a:r>
-            <a:endParaRPr lang="pt-BR" sz="4800" dirty="0" smtClean="0">
-              <a:latin typeface="Arial Black" panose="020B0A04020102020204" pitchFamily="34" charset="0"/>
-            </a:endParaRPr>
+              <a:t>MINÍSTÉRIO MORADA</a:t>
+            </a:r>
           </a:p>
         </p:txBody>
       </p:sp>
@@ -3097,7 +3070,7 @@
           <a:lstStyle/>
           <a:p>
             <a:r>
-              <a:rPr lang="pt-BR" sz="6600" b="1" i="0" dirty="0" smtClean="0">
+              <a:rPr lang="pt-BR" sz="6600" b="1" i="0" dirty="0">
                 <a:solidFill>
                   <a:srgbClr val="2D2D2D"/>
                 </a:solidFill>
@@ -3106,19 +3079,13 @@
               </a:rPr>
               <a:t>TUDO ESTÁ PREPARADO AQUI</a:t>
             </a:r>
-            <a:r>
-              <a:rPr lang="pt-BR" sz="6600" b="1" dirty="0" smtClean="0">
-                <a:latin typeface="Arial Black" panose="020B0A04020102020204" pitchFamily="34" charset="0"/>
-              </a:rPr>
-              <a:t/>
-            </a:r>
             <a:br>
-              <a:rPr lang="pt-BR" sz="6600" b="1" dirty="0" smtClean="0">
+              <a:rPr lang="pt-BR" sz="6600" b="1" dirty="0">
                 <a:latin typeface="Arial Black" panose="020B0A04020102020204" pitchFamily="34" charset="0"/>
               </a:rPr>
             </a:br>
             <a:r>
-              <a:rPr lang="pt-BR" sz="6600" b="1" i="0" dirty="0" smtClean="0">
+              <a:rPr lang="pt-BR" sz="6600" b="1" i="0" dirty="0">
                 <a:solidFill>
                   <a:srgbClr val="2D2D2D"/>
                 </a:solidFill>
@@ -3127,19 +3094,13 @@
               </a:rPr>
               <a:t>A CASA E O MEU CORAÇÃO TAMBÉM</a:t>
             </a:r>
-            <a:r>
-              <a:rPr lang="pt-BR" sz="6600" b="1" dirty="0" smtClean="0">
-                <a:latin typeface="Arial Black" panose="020B0A04020102020204" pitchFamily="34" charset="0"/>
-              </a:rPr>
-              <a:t/>
-            </a:r>
             <a:br>
-              <a:rPr lang="pt-BR" sz="6600" b="1" dirty="0" smtClean="0">
+              <a:rPr lang="pt-BR" sz="6600" b="1" dirty="0">
                 <a:latin typeface="Arial Black" panose="020B0A04020102020204" pitchFamily="34" charset="0"/>
               </a:rPr>
             </a:br>
             <a:r>
-              <a:rPr lang="pt-BR" sz="6600" b="1" i="0" dirty="0" smtClean="0">
+              <a:rPr lang="pt-BR" sz="6600" b="1" i="0" dirty="0">
                 <a:solidFill>
                   <a:srgbClr val="2D2D2D"/>
                 </a:solidFill>
@@ -3206,7 +3167,7 @@
           <a:lstStyle/>
           <a:p>
             <a:r>
-              <a:rPr lang="pt-BR" sz="6000" b="1" i="0" dirty="0" smtClean="0">
+              <a:rPr lang="pt-BR" sz="6000" b="1" i="0" dirty="0">
                 <a:solidFill>
                   <a:srgbClr val="2D2D2D"/>
                 </a:solidFill>
@@ -3215,19 +3176,13 @@
               </a:rPr>
               <a:t>OS FILHOS JÁ ESTÃO CHEGANDO AQUI</a:t>
             </a:r>
-            <a:r>
-              <a:rPr lang="pt-BR" sz="6000" b="1" dirty="0" smtClean="0">
-                <a:latin typeface="Arial Black" panose="020B0A04020102020204" pitchFamily="34" charset="0"/>
-              </a:rPr>
-              <a:t/>
-            </a:r>
             <a:br>
-              <a:rPr lang="pt-BR" sz="6000" b="1" dirty="0" smtClean="0">
+              <a:rPr lang="pt-BR" sz="6000" b="1" dirty="0">
                 <a:latin typeface="Arial Black" panose="020B0A04020102020204" pitchFamily="34" charset="0"/>
               </a:rPr>
             </a:br>
             <a:r>
-              <a:rPr lang="pt-BR" sz="6000" b="1" i="0" dirty="0" smtClean="0">
+              <a:rPr lang="pt-BR" sz="6000" b="1" i="0" dirty="0">
                 <a:solidFill>
                   <a:srgbClr val="2D2D2D"/>
                 </a:solidFill>
@@ -3236,19 +3191,13 @@
               </a:rPr>
               <a:t>AGORA, SOMOS DOIS OU TRÊS OU MAIS</a:t>
             </a:r>
-            <a:r>
-              <a:rPr lang="pt-BR" sz="6000" b="1" dirty="0" smtClean="0">
-                <a:latin typeface="Arial Black" panose="020B0A04020102020204" pitchFamily="34" charset="0"/>
-              </a:rPr>
-              <a:t/>
-            </a:r>
             <a:br>
-              <a:rPr lang="pt-BR" sz="6000" b="1" dirty="0" smtClean="0">
+              <a:rPr lang="pt-BR" sz="6000" b="1" dirty="0">
                 <a:latin typeface="Arial Black" panose="020B0A04020102020204" pitchFamily="34" charset="0"/>
               </a:rPr>
             </a:br>
             <a:r>
-              <a:rPr lang="pt-BR" sz="6000" b="1" i="0" dirty="0" smtClean="0">
+              <a:rPr lang="pt-BR" sz="6000" b="1" i="0" dirty="0">
                 <a:solidFill>
                   <a:srgbClr val="2D2D2D"/>
                 </a:solidFill>
@@ -3315,7 +3264,7 @@
           <a:lstStyle/>
           <a:p>
             <a:r>
-              <a:rPr lang="pt-BR" sz="7200" b="1" i="0" dirty="0" smtClean="0">
+              <a:rPr lang="pt-BR" sz="7200" b="1" i="0" dirty="0">
                 <a:solidFill>
                   <a:srgbClr val="2D2D2D"/>
                 </a:solidFill>
@@ -3324,19 +3273,13 @@
               </a:rPr>
               <a:t>TODOS OS VERSOS E CANÇÕES QUE EU CONSEGUIR CANTAR</a:t>
             </a:r>
-            <a:r>
-              <a:rPr lang="pt-BR" sz="7200" b="1" dirty="0" smtClean="0">
-                <a:latin typeface="Arial Black" panose="020B0A04020102020204" pitchFamily="34" charset="0"/>
-              </a:rPr>
-              <a:t/>
-            </a:r>
             <a:br>
-              <a:rPr lang="pt-BR" sz="7200" b="1" dirty="0" smtClean="0">
+              <a:rPr lang="pt-BR" sz="7200" b="1" dirty="0">
                 <a:latin typeface="Arial Black" panose="020B0A04020102020204" pitchFamily="34" charset="0"/>
               </a:rPr>
             </a:br>
             <a:r>
-              <a:rPr lang="pt-BR" sz="7200" b="1" i="0" dirty="0" smtClean="0">
+              <a:rPr lang="pt-BR" sz="7200" b="1" i="0" dirty="0">
                 <a:solidFill>
                   <a:srgbClr val="2D2D2D"/>
                 </a:solidFill>
@@ -3403,7 +3346,7 @@
           <a:lstStyle/>
           <a:p>
             <a:r>
-              <a:rPr lang="pt-BR" sz="7200" b="1" i="0" dirty="0" smtClean="0">
+              <a:rPr lang="pt-BR" sz="7200" b="1" i="0" dirty="0">
                 <a:solidFill>
                   <a:srgbClr val="2D2D2D"/>
                 </a:solidFill>
@@ -3412,19 +3355,13 @@
               </a:rPr>
               <a:t>TEU É O REINO E A GLÓRIA PRA SEMPRE</a:t>
             </a:r>
-            <a:r>
-              <a:rPr lang="pt-BR" sz="7200" b="1" dirty="0" smtClean="0">
-                <a:latin typeface="Arial Black" panose="020B0A04020102020204" pitchFamily="34" charset="0"/>
-              </a:rPr>
-              <a:t/>
-            </a:r>
             <a:br>
-              <a:rPr lang="pt-BR" sz="7200" b="1" dirty="0" smtClean="0">
+              <a:rPr lang="pt-BR" sz="7200" b="1" dirty="0">
                 <a:latin typeface="Arial Black" panose="020B0A04020102020204" pitchFamily="34" charset="0"/>
               </a:rPr>
             </a:br>
             <a:r>
-              <a:rPr lang="pt-BR" sz="7200" b="1" i="0" dirty="0" smtClean="0">
+              <a:rPr lang="pt-BR" sz="7200" b="1" i="0" dirty="0">
                 <a:solidFill>
                   <a:srgbClr val="2D2D2D"/>
                 </a:solidFill>
@@ -3491,7 +3428,7 @@
           <a:lstStyle/>
           <a:p>
             <a:r>
-              <a:rPr lang="pt-BR" sz="7200" b="1" i="0" dirty="0" smtClean="0">
+              <a:rPr lang="pt-BR" sz="7200" b="1" i="0" dirty="0">
                 <a:solidFill>
                   <a:srgbClr val="2D2D2D"/>
                 </a:solidFill>
@@ -3500,19 +3437,13 @@
               </a:rPr>
               <a:t>TEU É O REINO E A GLÓRIA PRA SEMPRE</a:t>
             </a:r>
-            <a:r>
-              <a:rPr lang="pt-BR" sz="7200" b="1" dirty="0" smtClean="0">
-                <a:latin typeface="Arial Black" panose="020B0A04020102020204" pitchFamily="34" charset="0"/>
-              </a:rPr>
-              <a:t/>
-            </a:r>
             <a:br>
-              <a:rPr lang="pt-BR" sz="7200" b="1" dirty="0" smtClean="0">
+              <a:rPr lang="pt-BR" sz="7200" b="1" dirty="0">
                 <a:latin typeface="Arial Black" panose="020B0A04020102020204" pitchFamily="34" charset="0"/>
               </a:rPr>
             </a:br>
             <a:r>
-              <a:rPr lang="pt-BR" sz="7200" b="1" i="0" dirty="0" smtClean="0">
+              <a:rPr lang="pt-BR" sz="7200" b="1" i="0" dirty="0">
                 <a:solidFill>
                   <a:srgbClr val="2D2D2D"/>
                 </a:solidFill>
@@ -3565,8 +3496,8 @@
         </p:nvSpPr>
         <p:spPr>
           <a:xfrm>
-            <a:off x="131679" y="114909"/>
-            <a:ext cx="11518900" cy="6555641"/>
+            <a:off x="4710952" y="2828835"/>
+            <a:ext cx="4621306" cy="1200329"/>
           </a:xfrm>
           <a:prstGeom prst="rect">
             <a:avLst/>
@@ -3579,109 +3510,18 @@
           <a:lstStyle/>
           <a:p>
             <a:r>
-              <a:rPr lang="pt-BR" sz="6000" b="1" i="0" dirty="0" smtClean="0">
-                <a:solidFill>
-                  <a:srgbClr val="2D2D2D"/>
-                </a:solidFill>
-                <a:effectLst/>
+              <a:rPr lang="pt-BR" sz="7200" b="1" dirty="0">
                 <a:latin typeface="Arial Black" panose="020B0A04020102020204" pitchFamily="34" charset="0"/>
               </a:rPr>
-              <a:t>SÓ TU ÉS SANTO, SÓ TU ÉS SANTO</a:t>
-            </a:r>
-            <a:r>
-              <a:rPr lang="pt-BR" sz="6000" b="1" dirty="0" smtClean="0">
-                <a:latin typeface="Arial Black" panose="020B0A04020102020204" pitchFamily="34" charset="0"/>
-              </a:rPr>
-              <a:t/>
-            </a:r>
-            <a:br>
-              <a:rPr lang="pt-BR" sz="6000" b="1" dirty="0" smtClean="0">
-                <a:latin typeface="Arial Black" panose="020B0A04020102020204" pitchFamily="34" charset="0"/>
-              </a:rPr>
-            </a:br>
-            <a:r>
-              <a:rPr lang="pt-BR" sz="6000" b="1" i="0" dirty="0" smtClean="0">
-                <a:solidFill>
-                  <a:srgbClr val="2D2D2D"/>
-                </a:solidFill>
-                <a:effectLst/>
-                <a:latin typeface="Arial Black" panose="020B0A04020102020204" pitchFamily="34" charset="0"/>
-              </a:rPr>
-              <a:t>NÃO HÁ OUTRO COMO TU</a:t>
-            </a:r>
-            <a:r>
-              <a:rPr lang="pt-BR" sz="6000" b="1" dirty="0" smtClean="0">
-                <a:latin typeface="Arial Black" panose="020B0A04020102020204" pitchFamily="34" charset="0"/>
-              </a:rPr>
-              <a:t/>
-            </a:r>
-            <a:br>
-              <a:rPr lang="pt-BR" sz="6000" b="1" dirty="0" smtClean="0">
-                <a:latin typeface="Arial Black" panose="020B0A04020102020204" pitchFamily="34" charset="0"/>
-              </a:rPr>
-            </a:br>
-            <a:r>
-              <a:rPr lang="pt-BR" sz="6000" b="1" i="0" dirty="0" smtClean="0">
-                <a:solidFill>
-                  <a:srgbClr val="2D2D2D"/>
-                </a:solidFill>
-                <a:effectLst/>
-                <a:latin typeface="Arial Black" panose="020B0A04020102020204" pitchFamily="34" charset="0"/>
-              </a:rPr>
-              <a:t>NÃO HÁ OUTRO COMO TU</a:t>
-            </a:r>
-            <a:r>
-              <a:rPr lang="pt-BR" sz="6000" b="1" dirty="0" smtClean="0">
-                <a:latin typeface="Arial Black" panose="020B0A04020102020204" pitchFamily="34" charset="0"/>
-              </a:rPr>
-              <a:t/>
-            </a:r>
-            <a:br>
-              <a:rPr lang="pt-BR" sz="6000" b="1" dirty="0" smtClean="0">
-                <a:latin typeface="Arial Black" panose="020B0A04020102020204" pitchFamily="34" charset="0"/>
-              </a:rPr>
-            </a:br>
-            <a:r>
-              <a:rPr lang="pt-BR" sz="6000" b="1" i="0" dirty="0" smtClean="0">
-                <a:solidFill>
-                  <a:srgbClr val="2D2D2D"/>
-                </a:solidFill>
-                <a:effectLst/>
-                <a:latin typeface="Arial Black" panose="020B0A04020102020204" pitchFamily="34" charset="0"/>
-              </a:rPr>
-              <a:t>NÃO HÁ OUTRO COMO TU</a:t>
-            </a:r>
-            <a:r>
-              <a:rPr lang="pt-BR" sz="6000" b="1" dirty="0" smtClean="0">
-                <a:latin typeface="Arial Black" panose="020B0A04020102020204" pitchFamily="34" charset="0"/>
-              </a:rPr>
-              <a:t/>
-            </a:r>
-            <a:br>
-              <a:rPr lang="pt-BR" sz="6000" b="1" dirty="0" smtClean="0">
-                <a:latin typeface="Arial Black" panose="020B0A04020102020204" pitchFamily="34" charset="0"/>
-              </a:rPr>
-            </a:br>
-            <a:r>
-              <a:rPr lang="pt-BR" sz="6000" b="1" i="0" dirty="0" smtClean="0">
-                <a:solidFill>
-                  <a:srgbClr val="2D2D2D"/>
-                </a:solidFill>
-                <a:effectLst/>
-                <a:latin typeface="Arial Black" panose="020B0A04020102020204" pitchFamily="34" charset="0"/>
-              </a:rPr>
-              <a:t>NÃO HÁ OUTRO COMO JESUS</a:t>
-            </a:r>
-            <a:endParaRPr lang="pt-BR" sz="6000" b="1" dirty="0">
-              <a:latin typeface="Arial Black" panose="020B0A04020102020204" pitchFamily="34" charset="0"/>
-            </a:endParaRPr>
+              <a:t>OOÔ</a:t>
+            </a:r>
           </a:p>
         </p:txBody>
       </p:sp>
     </p:spTree>
     <p:extLst>
       <p:ext uri="{BB962C8B-B14F-4D97-AF65-F5344CB8AC3E}">
-        <p14:creationId xmlns:p14="http://schemas.microsoft.com/office/powerpoint/2010/main" val="3243088804"/>
+        <p14:creationId xmlns:p14="http://schemas.microsoft.com/office/powerpoint/2010/main" val="726644534"/>
       </p:ext>
     </p:extLst>
   </p:cSld>
@@ -3716,6 +3556,133 @@
         </p:nvSpPr>
         <p:spPr>
           <a:xfrm>
+            <a:off x="131679" y="114909"/>
+            <a:ext cx="11518900" cy="6555641"/>
+          </a:xfrm>
+          <a:prstGeom prst="rect">
+            <a:avLst/>
+          </a:prstGeom>
+        </p:spPr>
+        <p:txBody>
+          <a:bodyPr wrap="square">
+            <a:spAutoFit/>
+          </a:bodyPr>
+          <a:lstStyle/>
+          <a:p>
+            <a:r>
+              <a:rPr lang="pt-BR" sz="6000" b="1" i="0" dirty="0">
+                <a:solidFill>
+                  <a:srgbClr val="2D2D2D"/>
+                </a:solidFill>
+                <a:effectLst/>
+                <a:latin typeface="Arial Black" panose="020B0A04020102020204" pitchFamily="34" charset="0"/>
+              </a:rPr>
+              <a:t>SÓ TU ÉS SANTO, SÓ TU ÉS SANTO</a:t>
+            </a:r>
+            <a:br>
+              <a:rPr lang="pt-BR" sz="6000" b="1" dirty="0">
+                <a:latin typeface="Arial Black" panose="020B0A04020102020204" pitchFamily="34" charset="0"/>
+              </a:rPr>
+            </a:br>
+            <a:r>
+              <a:rPr lang="pt-BR" sz="6000" b="1" i="0" dirty="0">
+                <a:solidFill>
+                  <a:srgbClr val="2D2D2D"/>
+                </a:solidFill>
+                <a:effectLst/>
+                <a:latin typeface="Arial Black" panose="020B0A04020102020204" pitchFamily="34" charset="0"/>
+              </a:rPr>
+              <a:t>NÃO HÁ OUTRO COMO TU</a:t>
+            </a:r>
+            <a:br>
+              <a:rPr lang="pt-BR" sz="6000" b="1" dirty="0">
+                <a:latin typeface="Arial Black" panose="020B0A04020102020204" pitchFamily="34" charset="0"/>
+              </a:rPr>
+            </a:br>
+            <a:r>
+              <a:rPr lang="pt-BR" sz="6000" b="1" i="0" dirty="0">
+                <a:solidFill>
+                  <a:srgbClr val="2D2D2D"/>
+                </a:solidFill>
+                <a:effectLst/>
+                <a:latin typeface="Arial Black" panose="020B0A04020102020204" pitchFamily="34" charset="0"/>
+              </a:rPr>
+              <a:t>NÃO HÁ OUTRO COMO TU</a:t>
+            </a:r>
+            <a:br>
+              <a:rPr lang="pt-BR" sz="6000" b="1" dirty="0">
+                <a:latin typeface="Arial Black" panose="020B0A04020102020204" pitchFamily="34" charset="0"/>
+              </a:rPr>
+            </a:br>
+            <a:r>
+              <a:rPr lang="pt-BR" sz="6000" b="1" i="0" dirty="0">
+                <a:solidFill>
+                  <a:srgbClr val="2D2D2D"/>
+                </a:solidFill>
+                <a:effectLst/>
+                <a:latin typeface="Arial Black" panose="020B0A04020102020204" pitchFamily="34" charset="0"/>
+              </a:rPr>
+              <a:t>NÃO HÁ OUTRO COMO TU</a:t>
+            </a:r>
+            <a:br>
+              <a:rPr lang="pt-BR" sz="6000" b="1" dirty="0">
+                <a:latin typeface="Arial Black" panose="020B0A04020102020204" pitchFamily="34" charset="0"/>
+              </a:rPr>
+            </a:br>
+            <a:r>
+              <a:rPr lang="pt-BR" sz="6000" b="1" i="0" dirty="0">
+                <a:solidFill>
+                  <a:srgbClr val="2D2D2D"/>
+                </a:solidFill>
+                <a:effectLst/>
+                <a:latin typeface="Arial Black" panose="020B0A04020102020204" pitchFamily="34" charset="0"/>
+              </a:rPr>
+              <a:t>NÃO HÁ OUTRO COMO JESUS</a:t>
+            </a:r>
+            <a:endParaRPr lang="pt-BR" sz="6000" b="1" dirty="0">
+              <a:latin typeface="Arial Black" panose="020B0A04020102020204" pitchFamily="34" charset="0"/>
+            </a:endParaRPr>
+          </a:p>
+        </p:txBody>
+      </p:sp>
+    </p:spTree>
+    <p:extLst>
+      <p:ext uri="{BB962C8B-B14F-4D97-AF65-F5344CB8AC3E}">
+        <p14:creationId xmlns:p14="http://schemas.microsoft.com/office/powerpoint/2010/main" val="3243088804"/>
+      </p:ext>
+    </p:extLst>
+  </p:cSld>
+  <p:clrMapOvr>
+    <a:masterClrMapping/>
+  </p:clrMapOvr>
+</p:sld>
+</file>
+
+<file path=ppt/slides/slide9.xml><?xml version="1.0" encoding="utf-8"?>
+<p:sld xmlns:a="http://schemas.openxmlformats.org/drawingml/2006/main" xmlns:r="http://schemas.openxmlformats.org/officeDocument/2006/relationships" xmlns:p="http://schemas.openxmlformats.org/presentationml/2006/main">
+  <p:cSld>
+    <p:spTree>
+      <p:nvGrpSpPr>
+        <p:cNvPr id="1" name=""/>
+        <p:cNvGrpSpPr/>
+        <p:nvPr/>
+      </p:nvGrpSpPr>
+      <p:grpSpPr>
+        <a:xfrm>
+          <a:off x="0" y="0"/>
+          <a:ext cx="0" cy="0"/>
+          <a:chOff x="0" y="0"/>
+          <a:chExt cx="0" cy="0"/>
+        </a:xfrm>
+      </p:grpSpPr>
+      <p:sp>
+        <p:nvSpPr>
+          <p:cNvPr id="2" name="Retângulo 1"/>
+          <p:cNvSpPr/>
+          <p:nvPr/>
+        </p:nvSpPr>
+        <p:spPr>
+          <a:xfrm>
             <a:off x="148388" y="52864"/>
             <a:ext cx="11798969" cy="6555641"/>
           </a:xfrm>
@@ -3730,7 +3697,7 @@
           <a:lstStyle/>
           <a:p>
             <a:r>
-              <a:rPr lang="pt-BR" sz="6000" b="1" i="0" dirty="0" smtClean="0">
+              <a:rPr lang="pt-BR" sz="6000" b="1" i="0" dirty="0">
                 <a:solidFill>
                   <a:srgbClr val="2D2D2D"/>
                 </a:solidFill>
@@ -3739,19 +3706,13 @@
               </a:rPr>
               <a:t>SÓ TU ÉS SANTO, SÓ TU ÉS SANTO</a:t>
             </a:r>
-            <a:r>
-              <a:rPr lang="pt-BR" sz="6000" b="1" dirty="0" smtClean="0">
-                <a:latin typeface="Arial Black" panose="020B0A04020102020204" pitchFamily="34" charset="0"/>
-              </a:rPr>
-              <a:t/>
-            </a:r>
             <a:br>
-              <a:rPr lang="pt-BR" sz="6000" b="1" dirty="0" smtClean="0">
+              <a:rPr lang="pt-BR" sz="6000" b="1" dirty="0">
                 <a:latin typeface="Arial Black" panose="020B0A04020102020204" pitchFamily="34" charset="0"/>
               </a:rPr>
             </a:br>
             <a:r>
-              <a:rPr lang="pt-BR" sz="6000" b="1" i="0" dirty="0" smtClean="0">
+              <a:rPr lang="pt-BR" sz="6000" b="1" i="0" dirty="0">
                 <a:solidFill>
                   <a:srgbClr val="2D2D2D"/>
                 </a:solidFill>
@@ -3760,19 +3721,13 @@
               </a:rPr>
               <a:t>NÃO HÁ OUTRO COMO TU</a:t>
             </a:r>
-            <a:r>
-              <a:rPr lang="pt-BR" sz="6000" b="1" dirty="0" smtClean="0">
-                <a:latin typeface="Arial Black" panose="020B0A04020102020204" pitchFamily="34" charset="0"/>
-              </a:rPr>
-              <a:t/>
-            </a:r>
             <a:br>
-              <a:rPr lang="pt-BR" sz="6000" b="1" dirty="0" smtClean="0">
+              <a:rPr lang="pt-BR" sz="6000" b="1" dirty="0">
                 <a:latin typeface="Arial Black" panose="020B0A04020102020204" pitchFamily="34" charset="0"/>
               </a:rPr>
             </a:br>
             <a:r>
-              <a:rPr lang="pt-BR" sz="6000" b="1" i="0" dirty="0" smtClean="0">
+              <a:rPr lang="pt-BR" sz="6000" b="1" i="0" dirty="0">
                 <a:solidFill>
                   <a:srgbClr val="2D2D2D"/>
                 </a:solidFill>
@@ -3781,19 +3736,13 @@
               </a:rPr>
               <a:t>NÃO HÁ OUTRO COMO TU</a:t>
             </a:r>
-            <a:r>
-              <a:rPr lang="pt-BR" sz="6000" b="1" dirty="0" smtClean="0">
-                <a:latin typeface="Arial Black" panose="020B0A04020102020204" pitchFamily="34" charset="0"/>
-              </a:rPr>
-              <a:t/>
-            </a:r>
             <a:br>
-              <a:rPr lang="pt-BR" sz="6000" b="1" dirty="0" smtClean="0">
+              <a:rPr lang="pt-BR" sz="6000" b="1" dirty="0">
                 <a:latin typeface="Arial Black" panose="020B0A04020102020204" pitchFamily="34" charset="0"/>
               </a:rPr>
             </a:br>
             <a:r>
-              <a:rPr lang="pt-BR" sz="6000" b="1" i="0" dirty="0" smtClean="0">
+              <a:rPr lang="pt-BR" sz="6000" b="1" i="0" dirty="0">
                 <a:solidFill>
                   <a:srgbClr val="2D2D2D"/>
                 </a:solidFill>
@@ -3802,19 +3751,13 @@
               </a:rPr>
               <a:t>NÃO HÁ OUTRO COMO TU</a:t>
             </a:r>
-            <a:r>
-              <a:rPr lang="pt-BR" sz="6000" b="1" dirty="0" smtClean="0">
-                <a:latin typeface="Arial Black" panose="020B0A04020102020204" pitchFamily="34" charset="0"/>
-              </a:rPr>
-              <a:t/>
-            </a:r>
             <a:br>
-              <a:rPr lang="pt-BR" sz="6000" b="1" dirty="0" smtClean="0">
+              <a:rPr lang="pt-BR" sz="6000" b="1" dirty="0">
                 <a:latin typeface="Arial Black" panose="020B0A04020102020204" pitchFamily="34" charset="0"/>
               </a:rPr>
             </a:br>
             <a:r>
-              <a:rPr lang="pt-BR" sz="6000" b="1" i="0" dirty="0" smtClean="0">
+              <a:rPr lang="pt-BR" sz="6000" b="1" i="0" dirty="0">
                 <a:solidFill>
                   <a:srgbClr val="2D2D2D"/>
                 </a:solidFill>
